--- a/Data_Analytics_2018/PPT/Lesson 09 - Data Analytics - SAS.pptx
+++ b/Data_Analytics_2018/PPT/Lesson 09 - Data Analytics - SAS.pptx
@@ -2,7 +2,7 @@
 <file path=ppt/presentation.xml><?xml version="1.0" encoding="utf-8"?>
 <p:presentation xmlns:a="http://schemas.openxmlformats.org/drawingml/2006/main" xmlns:r="http://schemas.openxmlformats.org/officeDocument/2006/relationships" xmlns:p="http://schemas.openxmlformats.org/presentationml/2006/main" saveSubsetFonts="1">
   <p:sldMasterIdLst>
-    <p:sldMasterId id="2147483678" r:id="rId1"/>
+    <p:sldMasterId id="2147483691" r:id="rId1"/>
   </p:sldMasterIdLst>
   <p:sldIdLst>
     <p:sldId id="256" r:id="rId2"/>
@@ -262,7 +262,7 @@
         </p:nvSpPr>
         <p:spPr>
           <a:xfrm>
-            <a:off x="152400" y="6443433"/>
+            <a:off x="152400" y="6485768"/>
             <a:ext cx="2743200" cy="365125"/>
           </a:xfrm>
         </p:spPr>
@@ -272,7 +272,7 @@
           <a:p>
             <a:fld id="{243B570E-6BE2-493C-8C86-B8378068DB77}" type="datetimeFigureOut">
               <a:rPr lang="en-US" smtClean="0"/>
-              <a:t>8/1/2018</a:t>
+              <a:t>8/11/2018</a:t>
             </a:fld>
             <a:endParaRPr lang="en-US" dirty="0"/>
           </a:p>
@@ -290,7 +290,7 @@
         </p:nvSpPr>
         <p:spPr>
           <a:xfrm>
-            <a:off x="4038600" y="6443434"/>
+            <a:off x="4038600" y="6485769"/>
             <a:ext cx="4114800" cy="365125"/>
           </a:xfrm>
         </p:spPr>
@@ -314,7 +314,7 @@
         </p:nvSpPr>
         <p:spPr>
           <a:xfrm>
-            <a:off x="9361714" y="6443432"/>
+            <a:off x="9361714" y="6485767"/>
             <a:ext cx="2743200" cy="365125"/>
           </a:xfrm>
         </p:spPr>
@@ -333,7 +333,7 @@
     </p:spTree>
     <p:extLst>
       <p:ext uri="{BB962C8B-B14F-4D97-AF65-F5344CB8AC3E}">
-        <p14:creationId xmlns:p14="http://schemas.microsoft.com/office/powerpoint/2010/main" val="3662759204"/>
+        <p14:creationId xmlns:p14="http://schemas.microsoft.com/office/powerpoint/2010/main" val="2689827181"/>
       </p:ext>
     </p:extLst>
   </p:cSld>
@@ -538,7 +538,7 @@
           <a:p>
             <a:fld id="{243B570E-6BE2-493C-8C86-B8378068DB77}" type="datetimeFigureOut">
               <a:rPr lang="en-US" smtClean="0"/>
-              <a:t>8/1/2018</a:t>
+              <a:t>8/11/2018</a:t>
             </a:fld>
             <a:endParaRPr lang="en-US" dirty="0"/>
           </a:p>
@@ -589,7 +589,7 @@
     </p:spTree>
     <p:extLst>
       <p:ext uri="{BB962C8B-B14F-4D97-AF65-F5344CB8AC3E}">
-        <p14:creationId xmlns:p14="http://schemas.microsoft.com/office/powerpoint/2010/main" val="3344471428"/>
+        <p14:creationId xmlns:p14="http://schemas.microsoft.com/office/powerpoint/2010/main" val="377551666"/>
       </p:ext>
     </p:extLst>
   </p:cSld>
@@ -711,7 +711,7 @@
           <a:p>
             <a:fld id="{243B570E-6BE2-493C-8C86-B8378068DB77}" type="datetimeFigureOut">
               <a:rPr lang="en-US" smtClean="0"/>
-              <a:t>8/1/2018</a:t>
+              <a:t>8/11/2018</a:t>
             </a:fld>
             <a:endParaRPr lang="en-US" dirty="0"/>
           </a:p>
@@ -762,7 +762,7 @@
     </p:spTree>
     <p:extLst>
       <p:ext uri="{BB962C8B-B14F-4D97-AF65-F5344CB8AC3E}">
-        <p14:creationId xmlns:p14="http://schemas.microsoft.com/office/powerpoint/2010/main" val="2047873078"/>
+        <p14:creationId xmlns:p14="http://schemas.microsoft.com/office/powerpoint/2010/main" val="4073245372"/>
       </p:ext>
     </p:extLst>
   </p:cSld>
@@ -889,7 +889,7 @@
           <a:p>
             <a:fld id="{243B570E-6BE2-493C-8C86-B8378068DB77}" type="datetimeFigureOut">
               <a:rPr lang="en-US" smtClean="0"/>
-              <a:t>8/1/2018</a:t>
+              <a:t>8/11/2018</a:t>
             </a:fld>
             <a:endParaRPr lang="en-US" dirty="0"/>
           </a:p>
@@ -940,7 +940,7 @@
     </p:spTree>
     <p:extLst>
       <p:ext uri="{BB962C8B-B14F-4D97-AF65-F5344CB8AC3E}">
-        <p14:creationId xmlns:p14="http://schemas.microsoft.com/office/powerpoint/2010/main" val="3648259388"/>
+        <p14:creationId xmlns:p14="http://schemas.microsoft.com/office/powerpoint/2010/main" val="464423079"/>
       </p:ext>
     </p:extLst>
   </p:cSld>
@@ -1110,7 +1110,7 @@
           <a:p>
             <a:fld id="{243B570E-6BE2-493C-8C86-B8378068DB77}" type="datetimeFigureOut">
               <a:rPr lang="en-US" smtClean="0"/>
-              <a:t>8/1/2018</a:t>
+              <a:t>8/11/2018</a:t>
             </a:fld>
             <a:endParaRPr lang="en-US" dirty="0"/>
           </a:p>
@@ -1185,7 +1185,7 @@
     </p:spTree>
     <p:extLst>
       <p:ext uri="{BB962C8B-B14F-4D97-AF65-F5344CB8AC3E}">
-        <p14:creationId xmlns:p14="http://schemas.microsoft.com/office/powerpoint/2010/main" val="3506375710"/>
+        <p14:creationId xmlns:p14="http://schemas.microsoft.com/office/powerpoint/2010/main" val="3841542479"/>
       </p:ext>
     </p:extLst>
   </p:cSld>
@@ -1311,7 +1311,7 @@
             <a:fld id="{243B570E-6BE2-493C-8C86-B8378068DB77}" type="datetimeFigureOut">
               <a:rPr lang="en-US" smtClean="0"/>
               <a:pPr/>
-              <a:t>8/1/2018</a:t>
+              <a:t>8/11/2018</a:t>
             </a:fld>
             <a:endParaRPr lang="en-US" dirty="0"/>
           </a:p>
@@ -1387,7 +1387,7 @@
     </p:spTree>
     <p:extLst>
       <p:ext uri="{BB962C8B-B14F-4D97-AF65-F5344CB8AC3E}">
-        <p14:creationId xmlns:p14="http://schemas.microsoft.com/office/powerpoint/2010/main" val="98374178"/>
+        <p14:creationId xmlns:p14="http://schemas.microsoft.com/office/powerpoint/2010/main" val="1512832477"/>
       </p:ext>
     </p:extLst>
   </p:cSld>
@@ -1586,7 +1586,7 @@
           <a:p>
             <a:fld id="{243B570E-6BE2-493C-8C86-B8378068DB77}" type="datetimeFigureOut">
               <a:rPr lang="en-US" smtClean="0"/>
-              <a:t>8/1/2018</a:t>
+              <a:t>8/11/2018</a:t>
             </a:fld>
             <a:endParaRPr lang="en-US" dirty="0"/>
           </a:p>
@@ -1637,7 +1637,7 @@
     </p:spTree>
     <p:extLst>
       <p:ext uri="{BB962C8B-B14F-4D97-AF65-F5344CB8AC3E}">
-        <p14:creationId xmlns:p14="http://schemas.microsoft.com/office/powerpoint/2010/main" val="1248793200"/>
+        <p14:creationId xmlns:p14="http://schemas.microsoft.com/office/powerpoint/2010/main" val="2969619168"/>
       </p:ext>
     </p:extLst>
   </p:cSld>
@@ -1683,6 +1683,7 @@
               <a:rPr lang="en-US"/>
               <a:t>Click to edit Master title style</a:t>
             </a:r>
+            <a:endParaRPr lang="en-US" dirty="0"/>
           </a:p>
         </p:txBody>
       </p:sp>
@@ -1698,8 +1699,8 @@
         </p:nvSpPr>
         <p:spPr>
           <a:xfrm>
-            <a:off x="838200" y="1825625"/>
-            <a:ext cx="5181600" cy="4351338"/>
+            <a:off x="406400" y="1354666"/>
+            <a:ext cx="5613400" cy="5046134"/>
           </a:xfrm>
         </p:spPr>
         <p:txBody>
@@ -1806,8 +1807,8 @@
         </p:nvSpPr>
         <p:spPr>
           <a:xfrm>
-            <a:off x="6172200" y="1825625"/>
-            <a:ext cx="5181600" cy="4351338"/>
+            <a:off x="6172199" y="1354666"/>
+            <a:ext cx="5469467" cy="5046134"/>
           </a:xfrm>
         </p:spPr>
         <p:txBody>
@@ -1847,6 +1848,7 @@
               <a:rPr lang="en-US"/>
               <a:t>Fifth level</a:t>
             </a:r>
+            <a:endParaRPr lang="en-US" dirty="0"/>
           </a:p>
         </p:txBody>
       </p:sp>
@@ -1867,7 +1869,7 @@
           <a:p>
             <a:fld id="{243B570E-6BE2-493C-8C86-B8378068DB77}" type="datetimeFigureOut">
               <a:rPr lang="en-US" smtClean="0"/>
-              <a:t>8/1/2018</a:t>
+              <a:t>8/11/2018</a:t>
             </a:fld>
             <a:endParaRPr lang="en-US" dirty="0"/>
           </a:p>
@@ -1918,7 +1920,7 @@
     </p:spTree>
     <p:extLst>
       <p:ext uri="{BB962C8B-B14F-4D97-AF65-F5344CB8AC3E}">
-        <p14:creationId xmlns:p14="http://schemas.microsoft.com/office/powerpoint/2010/main" val="1808718524"/>
+        <p14:creationId xmlns:p14="http://schemas.microsoft.com/office/powerpoint/2010/main" val="3202450798"/>
       </p:ext>
     </p:extLst>
   </p:cSld>
@@ -1957,8 +1959,8 @@
         </p:nvSpPr>
         <p:spPr>
           <a:xfrm>
-            <a:off x="839788" y="161926"/>
-            <a:ext cx="8536439" cy="1325563"/>
+            <a:off x="381000" y="5555"/>
+            <a:ext cx="10151533" cy="1325563"/>
           </a:xfrm>
         </p:spPr>
         <p:txBody>
@@ -1979,17 +1981,17 @@
             <a:spLocks noGrp="1"/>
           </p:cNvSpPr>
           <p:nvPr>
-            <p:ph type="body" idx="1"/>
+            <p:ph type="body" idx="1" hasCustomPrompt="1"/>
           </p:nvPr>
         </p:nvSpPr>
         <p:spPr>
           <a:xfrm>
-            <a:off x="839788" y="1681163"/>
-            <a:ext cx="5157787" cy="823912"/>
+            <a:off x="381000" y="1444096"/>
+            <a:ext cx="5616575" cy="823912"/>
           </a:xfrm>
         </p:spPr>
         <p:txBody>
-          <a:bodyPr anchor="b"/>
+          <a:bodyPr anchor="ctr"/>
           <a:lstStyle>
             <a:lvl1pPr marL="0" indent="0">
               <a:buNone/>
@@ -2031,8 +2033,8 @@
           <a:p>
             <a:pPr lvl="0"/>
             <a:r>
-              <a:rPr lang="en-US"/>
-              <a:t>Edit Master text styles</a:t>
+              <a:rPr lang="en-US" dirty="0"/>
+              <a:t>Click to edit Master text styles</a:t>
             </a:r>
           </a:p>
         </p:txBody>
@@ -2049,8 +2051,8 @@
         </p:nvSpPr>
         <p:spPr>
           <a:xfrm>
-            <a:off x="839788" y="2505075"/>
-            <a:ext cx="5157787" cy="3684588"/>
+            <a:off x="381000" y="2268007"/>
+            <a:ext cx="5616575" cy="4014259"/>
           </a:xfrm>
         </p:spPr>
         <p:txBody>
@@ -2100,17 +2102,17 @@
             <a:spLocks noGrp="1"/>
           </p:cNvSpPr>
           <p:nvPr>
-            <p:ph type="body" sz="quarter" idx="3"/>
+            <p:ph type="body" sz="quarter" idx="3" hasCustomPrompt="1"/>
           </p:nvPr>
         </p:nvSpPr>
         <p:spPr>
           <a:xfrm>
-            <a:off x="6172200" y="1681163"/>
-            <a:ext cx="5183188" cy="823912"/>
+            <a:off x="6172200" y="1444096"/>
+            <a:ext cx="5638800" cy="823912"/>
           </a:xfrm>
         </p:spPr>
         <p:txBody>
-          <a:bodyPr anchor="b"/>
+          <a:bodyPr anchor="ctr"/>
           <a:lstStyle>
             <a:lvl1pPr marL="0" indent="0">
               <a:buNone/>
@@ -2152,8 +2154,8 @@
           <a:p>
             <a:pPr lvl="0"/>
             <a:r>
-              <a:rPr lang="en-US"/>
-              <a:t>Edit Master text styles</a:t>
+              <a:rPr lang="en-US" dirty="0"/>
+              <a:t>Click to edit Master text styles</a:t>
             </a:r>
           </a:p>
         </p:txBody>
@@ -2170,8 +2172,8 @@
         </p:nvSpPr>
         <p:spPr>
           <a:xfrm>
-            <a:off x="6172200" y="2505075"/>
-            <a:ext cx="5183188" cy="3684588"/>
+            <a:off x="6172199" y="2268007"/>
+            <a:ext cx="5616575" cy="4014259"/>
           </a:xfrm>
         </p:spPr>
         <p:txBody>
@@ -2231,7 +2233,7 @@
           <a:p>
             <a:fld id="{243B570E-6BE2-493C-8C86-B8378068DB77}" type="datetimeFigureOut">
               <a:rPr lang="en-US" smtClean="0"/>
-              <a:t>8/1/2018</a:t>
+              <a:t>8/11/2018</a:t>
             </a:fld>
             <a:endParaRPr lang="en-US" dirty="0"/>
           </a:p>
@@ -2282,7 +2284,7 @@
     </p:spTree>
     <p:extLst>
       <p:ext uri="{BB962C8B-B14F-4D97-AF65-F5344CB8AC3E}">
-        <p14:creationId xmlns:p14="http://schemas.microsoft.com/office/powerpoint/2010/main" val="1913578386"/>
+        <p14:creationId xmlns:p14="http://schemas.microsoft.com/office/powerpoint/2010/main" val="2004801811"/>
       </p:ext>
     </p:extLst>
   </p:cSld>
@@ -2362,7 +2364,7 @@
             <a:fld id="{243B570E-6BE2-493C-8C86-B8378068DB77}" type="datetimeFigureOut">
               <a:rPr lang="en-US" smtClean="0"/>
               <a:pPr/>
-              <a:t>8/1/2018</a:t>
+              <a:t>8/11/2018</a:t>
             </a:fld>
             <a:endParaRPr lang="en-US" dirty="0"/>
           </a:p>
@@ -2438,7 +2440,7 @@
     </p:spTree>
     <p:extLst>
       <p:ext uri="{BB962C8B-B14F-4D97-AF65-F5344CB8AC3E}">
-        <p14:creationId xmlns:p14="http://schemas.microsoft.com/office/powerpoint/2010/main" val="1465864067"/>
+        <p14:creationId xmlns:p14="http://schemas.microsoft.com/office/powerpoint/2010/main" val="2492844185"/>
       </p:ext>
     </p:extLst>
   </p:cSld>
@@ -2482,7 +2484,7 @@
           <a:p>
             <a:fld id="{243B570E-6BE2-493C-8C86-B8378068DB77}" type="datetimeFigureOut">
               <a:rPr lang="en-US" smtClean="0"/>
-              <a:t>8/1/2018</a:t>
+              <a:t>8/11/2018</a:t>
             </a:fld>
             <a:endParaRPr lang="en-US" dirty="0"/>
           </a:p>
@@ -2533,7 +2535,7 @@
     </p:spTree>
     <p:extLst>
       <p:ext uri="{BB962C8B-B14F-4D97-AF65-F5344CB8AC3E}">
-        <p14:creationId xmlns:p14="http://schemas.microsoft.com/office/powerpoint/2010/main" val="746182883"/>
+        <p14:creationId xmlns:p14="http://schemas.microsoft.com/office/powerpoint/2010/main" val="3003991701"/>
       </p:ext>
     </p:extLst>
   </p:cSld>
@@ -2757,7 +2759,7 @@
           <a:p>
             <a:fld id="{243B570E-6BE2-493C-8C86-B8378068DB77}" type="datetimeFigureOut">
               <a:rPr lang="en-US" smtClean="0"/>
-              <a:t>8/1/2018</a:t>
+              <a:t>8/11/2018</a:t>
             </a:fld>
             <a:endParaRPr lang="en-US" dirty="0"/>
           </a:p>
@@ -2808,7 +2810,7 @@
     </p:spTree>
     <p:extLst>
       <p:ext uri="{BB962C8B-B14F-4D97-AF65-F5344CB8AC3E}">
-        <p14:creationId xmlns:p14="http://schemas.microsoft.com/office/powerpoint/2010/main" val="633588192"/>
+        <p14:creationId xmlns:p14="http://schemas.microsoft.com/office/powerpoint/2010/main" val="1229812616"/>
       </p:ext>
     </p:extLst>
   </p:cSld>
@@ -2985,8 +2987,8 @@
         </p:nvSpPr>
         <p:spPr>
           <a:xfrm>
-            <a:off x="406400" y="91440"/>
-            <a:ext cx="11393714" cy="1234123"/>
+            <a:off x="406400" y="6770"/>
+            <a:ext cx="10049933" cy="1234123"/>
           </a:xfrm>
           <a:prstGeom prst="rect">
             <a:avLst/>
@@ -3017,8 +3019,8 @@
         </p:nvSpPr>
         <p:spPr>
           <a:xfrm>
-            <a:off x="406400" y="1489166"/>
-            <a:ext cx="11393714" cy="4687797"/>
+            <a:off x="406400" y="1337187"/>
+            <a:ext cx="11393714" cy="5064803"/>
           </a:xfrm>
           <a:prstGeom prst="rect">
             <a:avLst/>
@@ -3100,7 +3102,7 @@
           <a:p>
             <a:fld id="{243B570E-6BE2-493C-8C86-B8378068DB77}" type="datetimeFigureOut">
               <a:rPr lang="en-US" smtClean="0"/>
-              <a:t>8/1/2018</a:t>
+              <a:t>8/11/2018</a:t>
             </a:fld>
             <a:endParaRPr lang="en-US" dirty="0"/>
           </a:p>
@@ -3221,27 +3223,70 @@
           </a:fontRef>
         </p:style>
       </p:cxnSp>
+      <p:pic>
+        <p:nvPicPr>
+          <p:cNvPr id="10" name="Picture 9" descr="A close up of a sign&#10;&#10;Description generated with very high confidence">
+            <a:extLst>
+              <a:ext uri="{FF2B5EF4-FFF2-40B4-BE49-F238E27FC236}">
+                <a16:creationId xmlns:a16="http://schemas.microsoft.com/office/drawing/2014/main" id="{6D9D6532-6138-406D-8115-7BAFD8D73FEB}"/>
+              </a:ext>
+            </a:extLst>
+          </p:cNvPr>
+          <p:cNvPicPr>
+            <a:picLocks noChangeAspect="1"/>
+          </p:cNvPicPr>
+          <p:nvPr/>
+        </p:nvPicPr>
+        <p:blipFill>
+          <a:blip r:embed="rId16">
+            <a:duotone>
+              <a:schemeClr val="bg2">
+                <a:shade val="45000"/>
+                <a:satMod val="135000"/>
+              </a:schemeClr>
+              <a:prstClr val="white"/>
+            </a:duotone>
+            <a:extLst>
+              <a:ext uri="{28A0092B-C50C-407E-A947-70E740481C1C}">
+                <a14:useLocalDpi xmlns:a14="http://schemas.microsoft.com/office/drawing/2010/main" val="0"/>
+              </a:ext>
+            </a:extLst>
+          </a:blip>
+          <a:stretch>
+            <a:fillRect/>
+          </a:stretch>
+        </p:blipFill>
+        <p:spPr>
+          <a:xfrm>
+            <a:off x="10634133" y="96294"/>
+            <a:ext cx="1165981" cy="1229580"/>
+          </a:xfrm>
+          <a:prstGeom prst="rect">
+            <a:avLst/>
+          </a:prstGeom>
+        </p:spPr>
+      </p:pic>
     </p:spTree>
     <p:extLst>
       <p:ext uri="{BB962C8B-B14F-4D97-AF65-F5344CB8AC3E}">
-        <p14:creationId xmlns:p14="http://schemas.microsoft.com/office/powerpoint/2010/main" val="3230419380"/>
+        <p14:creationId xmlns:p14="http://schemas.microsoft.com/office/powerpoint/2010/main" val="2150431013"/>
       </p:ext>
     </p:extLst>
   </p:cSld>
   <p:clrMap bg1="lt1" tx1="dk1" bg2="lt2" tx2="dk2" accent1="accent1" accent2="accent2" accent3="accent3" accent4="accent4" accent5="accent5" accent6="accent6" hlink="hlink" folHlink="folHlink"/>
   <p:sldLayoutIdLst>
-    <p:sldLayoutId id="2147483679" r:id="rId1"/>
-    <p:sldLayoutId id="2147483680" r:id="rId2"/>
-    <p:sldLayoutId id="2147483681" r:id="rId3"/>
-    <p:sldLayoutId id="2147483682" r:id="rId4"/>
-    <p:sldLayoutId id="2147483683" r:id="rId5"/>
-    <p:sldLayoutId id="2147483684" r:id="rId6"/>
-    <p:sldLayoutId id="2147483685" r:id="rId7"/>
-    <p:sldLayoutId id="2147483686" r:id="rId8"/>
-    <p:sldLayoutId id="2147483687" r:id="rId9"/>
-    <p:sldLayoutId id="2147483688" r:id="rId10"/>
-    <p:sldLayoutId id="2147483689" r:id="rId11"/>
-    <p:sldLayoutId id="2147483690" r:id="rId12"/>
+    <p:sldLayoutId id="2147483692" r:id="rId1"/>
+    <p:sldLayoutId id="2147483693" r:id="rId2"/>
+    <p:sldLayoutId id="2147483694" r:id="rId3"/>
+    <p:sldLayoutId id="2147483695" r:id="rId4"/>
+    <p:sldLayoutId id="2147483696" r:id="rId5"/>
+    <p:sldLayoutId id="2147483697" r:id="rId6"/>
+    <p:sldLayoutId id="2147483698" r:id="rId7"/>
+    <p:sldLayoutId id="2147483699" r:id="rId8"/>
+    <p:sldLayoutId id="2147483700" r:id="rId9"/>
+    <p:sldLayoutId id="2147483701" r:id="rId10"/>
+    <p:sldLayoutId id="2147483702" r:id="rId11"/>
+    <p:sldLayoutId id="2147483703" r:id="rId12"/>
   </p:sldLayoutIdLst>
   <p:txStyles>
     <p:titleStyle>
@@ -4246,7 +4291,7 @@
         <p:spPr/>
         <p:txBody>
           <a:bodyPr>
-            <a:normAutofit lnSpcReduction="10000"/>
+            <a:normAutofit/>
           </a:bodyPr>
           <a:lstStyle/>
           <a:p>
@@ -5036,7 +5081,7 @@
         <p:spPr/>
         <p:txBody>
           <a:bodyPr>
-            <a:normAutofit fontScale="85000" lnSpcReduction="20000"/>
+            <a:normAutofit fontScale="92500" lnSpcReduction="10000"/>
           </a:bodyPr>
           <a:lstStyle/>
           <a:p>
@@ -14592,7 +14637,7 @@
         <p:spPr/>
         <p:txBody>
           <a:bodyPr>
-            <a:normAutofit fontScale="85000" lnSpcReduction="20000"/>
+            <a:normAutofit fontScale="92500" lnSpcReduction="20000"/>
           </a:bodyPr>
           <a:lstStyle/>
           <a:p>
@@ -16613,7 +16658,7 @@
   <a:extraClrSchemeLst/>
   <a:extLst>
     <a:ext uri="{05A4C25C-085E-4340-85A3-A5531E510DB2}">
-      <thm15:themeFamily xmlns:thm15="http://schemas.microsoft.com/office/thememl/2012/main" name="Lesson 12 - Data Analytics - GLMs" id="{2D671843-01B0-4809-83B7-DCD6022711AC}" vid="{631529AC-459A-4F8A-9050-54C0368E42C7}"/>
+      <thm15:themeFamily xmlns:thm15="http://schemas.microsoft.com/office/thememl/2012/main" name="Analytics_World" id="{0D0CA6F4-4249-491F-90A1-38D2E759BAFB}" vid="{73C02A8C-8EF0-4E7B-9EF2-CA7EFEB1E564}"/>
     </a:ext>
   </a:extLst>
 </a:theme>
